--- a/Slides/Extensiones-RBC.pptx
+++ b/Slides/Extensiones-RBC.pptx
@@ -8,8 +8,10 @@
     <p:sldId id="256" r:id="rId2"/>
     <p:sldId id="257" r:id="rId3"/>
     <p:sldId id="258" r:id="rId4"/>
-    <p:sldId id="259" r:id="rId5"/>
-    <p:sldId id="260" r:id="rId6"/>
+    <p:sldId id="261" r:id="rId5"/>
+    <p:sldId id="259" r:id="rId6"/>
+    <p:sldId id="262" r:id="rId7"/>
+    <p:sldId id="260" r:id="rId8"/>
   </p:sldIdLst>
   <p:sldSz cx="12192000" cy="6858000"/>
   <p:notesSz cx="6858000" cy="9144000"/>
@@ -109,6 +111,14 @@
     </a:lvl9pPr>
   </p:defaultTextStyle>
 </p:presentation>
+</file>
+
+<file path=ppt/revisionInfo.xml><?xml version="1.0" encoding="utf-8"?>
+<p1510:revInfo xmlns:a="http://schemas.openxmlformats.org/drawingml/2006/main" xmlns:r="http://schemas.openxmlformats.org/officeDocument/2006/relationships" xmlns:p1510="http://schemas.microsoft.com/office/powerpoint/2015/10/main">
+  <p1510:revLst>
+    <p1510:client id="{8F86D65F-2BFF-0F40-8352-B82A6FDF282D}" v="2" dt="2024-05-22T22:40:56.209"/>
+  </p1510:revLst>
+</p1510:revInfo>
 </file>
 
 <file path=ppt/slideLayouts/slideLayout1.xml><?xml version="1.0" encoding="utf-8"?>
@@ -3539,7 +3549,7 @@
         <p:spPr/>
         <p:txBody>
           <a:bodyPr>
-            <a:normAutofit fontScale="90000"/>
+            <a:normAutofit/>
           </a:bodyPr>
           <a:lstStyle/>
           <a:p>
@@ -3565,15 +3575,7 @@
             </a:r>
             <a:r>
               <a:rPr lang="en-US" dirty="0"/>
-              <a:t> (1988) and Greenwood, </a:t>
-            </a:r>
-            <a:r>
-              <a:rPr lang="en-US" dirty="0" err="1"/>
-              <a:t>Hercowitz</a:t>
-            </a:r>
-            <a:r>
-              <a:rPr lang="en-US" dirty="0"/>
-              <a:t>, and Hoffman (1988)</a:t>
+              <a:t> (1988)</a:t>
             </a:r>
             <a:endParaRPr lang="en-CL" dirty="0"/>
           </a:p>
@@ -3646,6 +3648,111 @@
           <p:cNvPr id="2" name="Title 1">
             <a:extLst>
               <a:ext uri="{FF2B5EF4-FFF2-40B4-BE49-F238E27FC236}">
+                <a16:creationId xmlns:a16="http://schemas.microsoft.com/office/drawing/2014/main" id="{868F0DED-1DD7-1E76-19B6-34483520F7E1}"/>
+              </a:ext>
+            </a:extLst>
+          </p:cNvPr>
+          <p:cNvSpPr>
+            <a:spLocks noGrp="1"/>
+          </p:cNvSpPr>
+          <p:nvPr>
+            <p:ph type="title"/>
+          </p:nvPr>
+        </p:nvSpPr>
+        <p:spPr/>
+        <p:txBody>
+          <a:bodyPr>
+            <a:normAutofit/>
+          </a:bodyPr>
+          <a:lstStyle/>
+          <a:p>
+            <a:r>
+              <a:rPr lang="en-US" dirty="0" err="1"/>
+              <a:t>Intratemporal</a:t>
+            </a:r>
+            <a:r>
+              <a:rPr lang="en-US" dirty="0"/>
+              <a:t> Non-Separability: Greenwood, </a:t>
+            </a:r>
+            <a:r>
+              <a:rPr lang="en-US" dirty="0" err="1"/>
+              <a:t>Hercowitz</a:t>
+            </a:r>
+            <a:r>
+              <a:rPr lang="en-US" dirty="0"/>
+              <a:t>, and Hoffman (1988)</a:t>
+            </a:r>
+            <a:endParaRPr lang="en-CL" dirty="0"/>
+          </a:p>
+        </p:txBody>
+      </p:sp>
+      <p:pic>
+        <p:nvPicPr>
+          <p:cNvPr id="4" name="Content Placeholder 3">
+            <a:extLst>
+              <a:ext uri="{FF2B5EF4-FFF2-40B4-BE49-F238E27FC236}">
+                <a16:creationId xmlns:a16="http://schemas.microsoft.com/office/drawing/2014/main" id="{1585806C-19BC-9922-B705-CBB8A744590F}"/>
+              </a:ext>
+            </a:extLst>
+          </p:cNvPr>
+          <p:cNvPicPr>
+            <a:picLocks noGrp="1" noChangeAspect="1"/>
+          </p:cNvPicPr>
+          <p:nvPr>
+            <p:ph idx="1"/>
+          </p:nvPr>
+        </p:nvPicPr>
+        <p:blipFill>
+          <a:blip r:embed="rId2"/>
+          <a:stretch>
+            <a:fillRect/>
+          </a:stretch>
+        </p:blipFill>
+        <p:spPr>
+          <a:xfrm>
+            <a:off x="3462913" y="1825625"/>
+            <a:ext cx="5266174" cy="4351338"/>
+          </a:xfrm>
+          <a:prstGeom prst="rect">
+            <a:avLst/>
+          </a:prstGeom>
+        </p:spPr>
+      </p:pic>
+    </p:spTree>
+    <p:extLst>
+      <p:ext uri="{BB962C8B-B14F-4D97-AF65-F5344CB8AC3E}">
+        <p14:creationId xmlns:p14="http://schemas.microsoft.com/office/powerpoint/2010/main" val="1723547716"/>
+      </p:ext>
+    </p:extLst>
+  </p:cSld>
+  <p:clrMapOvr>
+    <a:masterClrMapping/>
+  </p:clrMapOvr>
+</p:sld>
+</file>
+
+<file path=ppt/slides/slide5.xml><?xml version="1.0" encoding="utf-8"?>
+<p:sld xmlns:a="http://schemas.openxmlformats.org/drawingml/2006/main" xmlns:r="http://schemas.openxmlformats.org/officeDocument/2006/relationships" xmlns:p="http://schemas.openxmlformats.org/presentationml/2006/main">
+  <p:cSld>
+    <p:spTree>
+      <p:nvGrpSpPr>
+        <p:cNvPr id="1" name=""/>
+        <p:cNvGrpSpPr/>
+        <p:nvPr/>
+      </p:nvGrpSpPr>
+      <p:grpSpPr>
+        <a:xfrm>
+          <a:off x="0" y="0"/>
+          <a:ext cx="0" cy="0"/>
+          <a:chOff x="0" y="0"/>
+          <a:chExt cx="0" cy="0"/>
+        </a:xfrm>
+      </p:grpSpPr>
+      <p:sp>
+        <p:nvSpPr>
+          <p:cNvPr id="2" name="Title 1">
+            <a:extLst>
+              <a:ext uri="{FF2B5EF4-FFF2-40B4-BE49-F238E27FC236}">
                 <a16:creationId xmlns:a16="http://schemas.microsoft.com/office/drawing/2014/main" id="{DB0591D1-C7C0-00E5-3C09-C6AB1CF57937}"/>
               </a:ext>
             </a:extLst>
@@ -3738,7 +3845,97 @@
 </p:sld>
 </file>
 
-<file path=ppt/slides/slide5.xml><?xml version="1.0" encoding="utf-8"?>
+<file path=ppt/slides/slide6.xml><?xml version="1.0" encoding="utf-8"?>
+<p:sld xmlns:a="http://schemas.openxmlformats.org/drawingml/2006/main" xmlns:r="http://schemas.openxmlformats.org/officeDocument/2006/relationships" xmlns:p="http://schemas.openxmlformats.org/presentationml/2006/main">
+  <p:cSld>
+    <p:spTree>
+      <p:nvGrpSpPr>
+        <p:cNvPr id="1" name=""/>
+        <p:cNvGrpSpPr/>
+        <p:nvPr/>
+      </p:nvGrpSpPr>
+      <p:grpSpPr>
+        <a:xfrm>
+          <a:off x="0" y="0"/>
+          <a:ext cx="0" cy="0"/>
+          <a:chOff x="0" y="0"/>
+          <a:chExt cx="0" cy="0"/>
+        </a:xfrm>
+      </p:grpSpPr>
+      <p:sp>
+        <p:nvSpPr>
+          <p:cNvPr id="2" name="Title 1">
+            <a:extLst>
+              <a:ext uri="{FF2B5EF4-FFF2-40B4-BE49-F238E27FC236}">
+                <a16:creationId xmlns:a16="http://schemas.microsoft.com/office/drawing/2014/main" id="{7EB77DE8-D12B-BD1D-60D2-67900F12CEB6}"/>
+              </a:ext>
+            </a:extLst>
+          </p:cNvPr>
+          <p:cNvSpPr>
+            <a:spLocks noGrp="1"/>
+          </p:cNvSpPr>
+          <p:nvPr>
+            <p:ph type="title"/>
+          </p:nvPr>
+        </p:nvSpPr>
+        <p:spPr/>
+        <p:txBody>
+          <a:bodyPr/>
+          <a:lstStyle/>
+          <a:p>
+            <a:r>
+              <a:rPr lang="en-CL" dirty="0"/>
+              <a:t>Habit Formation</a:t>
+            </a:r>
+          </a:p>
+        </p:txBody>
+      </p:sp>
+      <p:pic>
+        <p:nvPicPr>
+          <p:cNvPr id="4" name="Content Placeholder 3">
+            <a:extLst>
+              <a:ext uri="{FF2B5EF4-FFF2-40B4-BE49-F238E27FC236}">
+                <a16:creationId xmlns:a16="http://schemas.microsoft.com/office/drawing/2014/main" id="{FFF3E094-DBCB-FBE7-5577-AA3D67CBAC64}"/>
+              </a:ext>
+            </a:extLst>
+          </p:cNvPr>
+          <p:cNvPicPr>
+            <a:picLocks noGrp="1" noChangeAspect="1"/>
+          </p:cNvPicPr>
+          <p:nvPr>
+            <p:ph idx="1"/>
+          </p:nvPr>
+        </p:nvPicPr>
+        <p:blipFill>
+          <a:blip r:embed="rId2"/>
+          <a:stretch>
+            <a:fillRect/>
+          </a:stretch>
+        </p:blipFill>
+        <p:spPr>
+          <a:xfrm>
+            <a:off x="3584252" y="1539875"/>
+            <a:ext cx="5297815" cy="4351338"/>
+          </a:xfrm>
+          <a:prstGeom prst="rect">
+            <a:avLst/>
+          </a:prstGeom>
+        </p:spPr>
+      </p:pic>
+    </p:spTree>
+    <p:extLst>
+      <p:ext uri="{BB962C8B-B14F-4D97-AF65-F5344CB8AC3E}">
+        <p14:creationId xmlns:p14="http://schemas.microsoft.com/office/powerpoint/2010/main" val="503456747"/>
+      </p:ext>
+    </p:extLst>
+  </p:cSld>
+  <p:clrMapOvr>
+    <a:masterClrMapping/>
+  </p:clrMapOvr>
+</p:sld>
+</file>
+
+<file path=ppt/slides/slide7.xml><?xml version="1.0" encoding="utf-8"?>
 <p:sld xmlns:a="http://schemas.openxmlformats.org/drawingml/2006/main" xmlns:r="http://schemas.openxmlformats.org/officeDocument/2006/relationships" xmlns:p="http://schemas.openxmlformats.org/presentationml/2006/main">
   <p:cSld>
     <p:spTree>
